--- a/3rd_project/2019180031_2DGP_2nd_project_ppt - 복사본.pptx
+++ b/3rd_project/2019180031_2DGP_2nd_project_ppt - 복사본.pptx
@@ -263,7 +263,7 @@
           <a:p>
             <a:fld id="{E638216F-BA16-454B-9A95-4635063A4359}" type="datetimeFigureOut">
               <a:rPr lang="ko-KR" altLang="en-US" smtClean="0"/>
-              <a:t>2022-11-12</a:t>
+              <a:t>2022-11-19</a:t>
             </a:fld>
             <a:endParaRPr lang="ko-KR" altLang="en-US"/>
           </a:p>
@@ -461,7 +461,7 @@
           <a:p>
             <a:fld id="{E638216F-BA16-454B-9A95-4635063A4359}" type="datetimeFigureOut">
               <a:rPr lang="ko-KR" altLang="en-US" smtClean="0"/>
-              <a:t>2022-11-12</a:t>
+              <a:t>2022-11-19</a:t>
             </a:fld>
             <a:endParaRPr lang="ko-KR" altLang="en-US"/>
           </a:p>
@@ -669,7 +669,7 @@
           <a:p>
             <a:fld id="{E638216F-BA16-454B-9A95-4635063A4359}" type="datetimeFigureOut">
               <a:rPr lang="ko-KR" altLang="en-US" smtClean="0"/>
-              <a:t>2022-11-12</a:t>
+              <a:t>2022-11-19</a:t>
             </a:fld>
             <a:endParaRPr lang="ko-KR" altLang="en-US"/>
           </a:p>
@@ -867,7 +867,7 @@
           <a:p>
             <a:fld id="{E638216F-BA16-454B-9A95-4635063A4359}" type="datetimeFigureOut">
               <a:rPr lang="ko-KR" altLang="en-US" smtClean="0"/>
-              <a:t>2022-11-12</a:t>
+              <a:t>2022-11-19</a:t>
             </a:fld>
             <a:endParaRPr lang="ko-KR" altLang="en-US"/>
           </a:p>
@@ -1142,7 +1142,7 @@
           <a:p>
             <a:fld id="{E638216F-BA16-454B-9A95-4635063A4359}" type="datetimeFigureOut">
               <a:rPr lang="ko-KR" altLang="en-US" smtClean="0"/>
-              <a:t>2022-11-12</a:t>
+              <a:t>2022-11-19</a:t>
             </a:fld>
             <a:endParaRPr lang="ko-KR" altLang="en-US"/>
           </a:p>
@@ -1407,7 +1407,7 @@
           <a:p>
             <a:fld id="{E638216F-BA16-454B-9A95-4635063A4359}" type="datetimeFigureOut">
               <a:rPr lang="ko-KR" altLang="en-US" smtClean="0"/>
-              <a:t>2022-11-12</a:t>
+              <a:t>2022-11-19</a:t>
             </a:fld>
             <a:endParaRPr lang="ko-KR" altLang="en-US"/>
           </a:p>
@@ -1819,7 +1819,7 @@
           <a:p>
             <a:fld id="{E638216F-BA16-454B-9A95-4635063A4359}" type="datetimeFigureOut">
               <a:rPr lang="ko-KR" altLang="en-US" smtClean="0"/>
-              <a:t>2022-11-12</a:t>
+              <a:t>2022-11-19</a:t>
             </a:fld>
             <a:endParaRPr lang="ko-KR" altLang="en-US"/>
           </a:p>
@@ -1960,7 +1960,7 @@
           <a:p>
             <a:fld id="{E638216F-BA16-454B-9A95-4635063A4359}" type="datetimeFigureOut">
               <a:rPr lang="ko-KR" altLang="en-US" smtClean="0"/>
-              <a:t>2022-11-12</a:t>
+              <a:t>2022-11-19</a:t>
             </a:fld>
             <a:endParaRPr lang="ko-KR" altLang="en-US"/>
           </a:p>
@@ -2073,7 +2073,7 @@
           <a:p>
             <a:fld id="{E638216F-BA16-454B-9A95-4635063A4359}" type="datetimeFigureOut">
               <a:rPr lang="ko-KR" altLang="en-US" smtClean="0"/>
-              <a:t>2022-11-12</a:t>
+              <a:t>2022-11-19</a:t>
             </a:fld>
             <a:endParaRPr lang="ko-KR" altLang="en-US"/>
           </a:p>
@@ -2384,7 +2384,7 @@
           <a:p>
             <a:fld id="{E638216F-BA16-454B-9A95-4635063A4359}" type="datetimeFigureOut">
               <a:rPr lang="ko-KR" altLang="en-US" smtClean="0"/>
-              <a:t>2022-11-12</a:t>
+              <a:t>2022-11-19</a:t>
             </a:fld>
             <a:endParaRPr lang="ko-KR" altLang="en-US"/>
           </a:p>
@@ -2672,7 +2672,7 @@
           <a:p>
             <a:fld id="{E638216F-BA16-454B-9A95-4635063A4359}" type="datetimeFigureOut">
               <a:rPr lang="ko-KR" altLang="en-US" smtClean="0"/>
-              <a:t>2022-11-12</a:t>
+              <a:t>2022-11-19</a:t>
             </a:fld>
             <a:endParaRPr lang="ko-KR" altLang="en-US"/>
           </a:p>
@@ -2913,7 +2913,7 @@
           <a:p>
             <a:fld id="{E638216F-BA16-454B-9A95-4635063A4359}" type="datetimeFigureOut">
               <a:rPr lang="ko-KR" altLang="en-US" smtClean="0"/>
-              <a:t>2022-11-12</a:t>
+              <a:t>2022-11-19</a:t>
             </a:fld>
             <a:endParaRPr lang="ko-KR" altLang="en-US"/>
           </a:p>
@@ -4024,14 +4024,14 @@
           <p:nvPr>
             <p:extLst>
               <p:ext uri="{D42A27DB-BD31-4B8C-83A1-F6EECF244321}">
-                <p14:modId xmlns:p14="http://schemas.microsoft.com/office/powerpoint/2010/main" val="295351674"/>
+                <p14:modId xmlns:p14="http://schemas.microsoft.com/office/powerpoint/2010/main" val="3861255726"/>
               </p:ext>
             </p:extLst>
           </p:nvPr>
         </p:nvGraphicFramePr>
         <p:xfrm>
-          <a:off x="637130" y="894491"/>
-          <a:ext cx="10683731" cy="5807473"/>
+          <a:off x="637130" y="894493"/>
+          <a:ext cx="10683731" cy="5822466"/>
         </p:xfrm>
         <a:graphic>
           <a:graphicData uri="http://schemas.openxmlformats.org/drawingml/2006/table">
@@ -4069,7 +4069,7 @@
                   </a:extLst>
                 </a:gridCol>
               </a:tblGrid>
-              <a:tr h="269576">
+              <a:tr h="295423">
                 <a:tc>
                   <a:txBody>
                     <a:bodyPr/>
@@ -4359,7 +4359,7 @@
                   </a:ext>
                 </a:extLst>
               </a:tr>
-              <a:tr h="462130">
+              <a:tr h="506440">
                 <a:tc>
                   <a:txBody>
                     <a:bodyPr/>
@@ -4848,7 +4848,7 @@
                   </a:ext>
                 </a:extLst>
               </a:tr>
-              <a:tr h="440077">
+              <a:tr h="283729">
                 <a:tc>
                   <a:txBody>
                     <a:bodyPr/>
@@ -4856,7 +4856,7 @@
                     <a:p>
                       <a:pPr lvl="0" algn="ctr" latinLnBrk="1"/>
                       <a:r>
-                        <a:rPr lang="en-US" altLang="ko-KR" sz="1500" b="0" dirty="0">
+                        <a:rPr lang="en-US" altLang="ko-KR" sz="800" b="0" dirty="0">
                           <a:solidFill>
                             <a:schemeClr val="bg1"/>
                           </a:solidFill>
@@ -4864,7 +4864,7 @@
                         <a:t>2</a:t>
                       </a:r>
                       <a:r>
-                        <a:rPr lang="ko-KR" altLang="en-US" sz="1500" b="0" dirty="0">
+                        <a:rPr lang="ko-KR" altLang="en-US" sz="800" b="0" dirty="0">
                           <a:solidFill>
                             <a:schemeClr val="bg1"/>
                           </a:solidFill>
@@ -4934,7 +4934,7 @@
                         <a:buAutoNum type="arabicPeriod"/>
                       </a:pPr>
                       <a:r>
-                        <a:rPr lang="en-US" altLang="ko-KR" sz="1200" b="0" dirty="0">
+                        <a:rPr lang="en-US" altLang="ko-KR" sz="800" b="0" dirty="0">
                           <a:solidFill>
                             <a:schemeClr val="bg1"/>
                           </a:solidFill>
@@ -4942,14 +4942,14 @@
                         <a:t>1~4(+@) </a:t>
                       </a:r>
                       <a:r>
-                        <a:rPr lang="ko-KR" altLang="en-US" sz="1200" b="0" dirty="0">
+                        <a:rPr lang="ko-KR" altLang="en-US" sz="800" b="0" dirty="0">
                           <a:solidFill>
                             <a:schemeClr val="bg1"/>
                           </a:solidFill>
                         </a:rPr>
                         <a:t>까지의 스테이지 화면에서 스테이지 선택 가능하게 설정</a:t>
                       </a:r>
-                      <a:endParaRPr lang="en-US" altLang="ko-KR" sz="1200" b="0" dirty="0">
+                      <a:endParaRPr lang="en-US" altLang="ko-KR" sz="800" b="0" dirty="0">
                         <a:solidFill>
                           <a:schemeClr val="bg1"/>
                         </a:solidFill>
@@ -4960,7 +4960,7 @@
                         <a:buAutoNum type="arabicPeriod"/>
                       </a:pPr>
                       <a:r>
-                        <a:rPr lang="en-US" altLang="ko-KR" sz="1200" b="0" dirty="0">
+                        <a:rPr lang="en-US" altLang="ko-KR" sz="800" b="0" dirty="0">
                           <a:solidFill>
                             <a:schemeClr val="bg1"/>
                           </a:solidFill>
@@ -4968,7 +4968,7 @@
                         <a:t>(</a:t>
                       </a:r>
                       <a:r>
-                        <a:rPr lang="ko-KR" altLang="en-US" sz="1200" b="0" dirty="0">
+                        <a:rPr lang="ko-KR" altLang="en-US" sz="800" b="0" dirty="0">
                           <a:solidFill>
                             <a:schemeClr val="bg1"/>
                           </a:solidFill>
@@ -4976,7 +4976,7 @@
                         <a:t>초기상태</a:t>
                       </a:r>
                       <a:r>
-                        <a:rPr lang="en-US" altLang="ko-KR" sz="1200" b="0" dirty="0">
+                        <a:rPr lang="en-US" altLang="ko-KR" sz="800" b="0" dirty="0">
                           <a:solidFill>
                             <a:schemeClr val="bg1"/>
                           </a:solidFill>
@@ -4984,7 +4984,7 @@
                         <a:t>) 2~4 </a:t>
                       </a:r>
                       <a:r>
-                        <a:rPr lang="ko-KR" altLang="en-US" sz="1200" b="0" dirty="0">
+                        <a:rPr lang="ko-KR" altLang="en-US" sz="800" b="0" dirty="0">
                           <a:solidFill>
                             <a:schemeClr val="bg1"/>
                           </a:solidFill>
@@ -4992,14 +4992,14 @@
                         <a:t>스테이지의 경우 선택 불가능한 상태 구현</a:t>
                       </a:r>
                       <a:br>
-                        <a:rPr lang="en-US" altLang="ko-KR" sz="1200" b="0" dirty="0">
+                        <a:rPr lang="en-US" altLang="ko-KR" sz="800" b="0" dirty="0">
                           <a:solidFill>
                             <a:schemeClr val="bg1"/>
                           </a:solidFill>
                         </a:rPr>
                       </a:br>
                       <a:r>
-                        <a:rPr lang="en-US" altLang="ko-KR" sz="1200" b="0" dirty="0">
+                        <a:rPr lang="en-US" altLang="ko-KR" sz="800" b="0" dirty="0">
                           <a:solidFill>
                             <a:schemeClr val="bg1"/>
                           </a:solidFill>
@@ -5007,7 +5007,7 @@
                         <a:t>(</a:t>
                       </a:r>
                       <a:r>
-                        <a:rPr lang="ko-KR" altLang="en-US" sz="1200" b="0" dirty="0">
+                        <a:rPr lang="ko-KR" altLang="en-US" sz="800" b="0" dirty="0">
                           <a:solidFill>
                             <a:schemeClr val="bg1"/>
                           </a:solidFill>
@@ -5015,7 +5015,7 @@
                         <a:t>이전 스테이지 </a:t>
                       </a:r>
                       <a:r>
-                        <a:rPr lang="ko-KR" altLang="en-US" sz="1200" b="0" dirty="0" err="1">
+                        <a:rPr lang="ko-KR" altLang="en-US" sz="800" b="0" dirty="0" err="1">
                           <a:solidFill>
                             <a:schemeClr val="bg1"/>
                           </a:solidFill>
@@ -5023,7 +5023,7 @@
                         <a:t>클리어시</a:t>
                       </a:r>
                       <a:r>
-                        <a:rPr lang="ko-KR" altLang="en-US" sz="1200" b="0" dirty="0">
+                        <a:rPr lang="ko-KR" altLang="en-US" sz="800" b="0" dirty="0">
                           <a:solidFill>
                             <a:schemeClr val="bg1"/>
                           </a:solidFill>
@@ -5031,7 +5031,7 @@
                         <a:t> 개방되도록 설정</a:t>
                       </a:r>
                       <a:r>
-                        <a:rPr lang="en-US" altLang="ko-KR" sz="1200" b="0" dirty="0">
+                        <a:rPr lang="en-US" altLang="ko-KR" sz="800" b="0" dirty="0">
                           <a:solidFill>
                             <a:schemeClr val="bg1"/>
                           </a:solidFill>
@@ -5044,7 +5044,7 @@
                         <a:buAutoNum type="arabicPeriod"/>
                       </a:pPr>
                       <a:r>
-                        <a:rPr lang="ko-KR" altLang="en-US" sz="1200" b="0" dirty="0">
+                        <a:rPr lang="ko-KR" altLang="en-US" sz="800" b="0" dirty="0">
                           <a:solidFill>
                             <a:schemeClr val="bg1"/>
                           </a:solidFill>
@@ -5052,7 +5052,7 @@
                         <a:t>스테이지 내에 적용되는 </a:t>
                       </a:r>
                       <a:r>
-                        <a:rPr lang="ko-KR" altLang="en-US" sz="1200" b="0" dirty="0" err="1">
+                        <a:rPr lang="ko-KR" altLang="en-US" sz="800" b="0" dirty="0" err="1">
                           <a:solidFill>
                             <a:schemeClr val="bg1"/>
                           </a:solidFill>
@@ -5060,7 +5060,7 @@
                         <a:t>메뉴바</a:t>
                       </a:r>
                       <a:r>
-                        <a:rPr lang="ko-KR" altLang="en-US" sz="1200" b="0" dirty="0">
+                        <a:rPr lang="ko-KR" altLang="en-US" sz="800" b="0" dirty="0">
                           <a:solidFill>
                             <a:schemeClr val="bg1"/>
                           </a:solidFill>
@@ -5068,7 +5068,7 @@
                         <a:t> 구현</a:t>
                       </a:r>
                       <a:r>
-                        <a:rPr lang="en-US" altLang="ko-KR" sz="1200" b="0" dirty="0">
+                        <a:rPr lang="en-US" altLang="ko-KR" sz="800" b="0" dirty="0">
                           <a:solidFill>
                             <a:schemeClr val="bg1"/>
                           </a:solidFill>
@@ -5076,7 +5076,7 @@
                         <a:t>(</a:t>
                       </a:r>
                       <a:r>
-                        <a:rPr lang="ko-KR" altLang="en-US" sz="1200" b="0" dirty="0">
+                        <a:rPr lang="ko-KR" altLang="en-US" sz="800" b="0" dirty="0">
                           <a:solidFill>
                             <a:schemeClr val="bg1"/>
                           </a:solidFill>
@@ -5084,7 +5084,7 @@
                         <a:t>일시 정지 및 메인 화면으로 나가기</a:t>
                       </a:r>
                       <a:r>
-                        <a:rPr lang="en-US" altLang="ko-KR" sz="1200" b="0" dirty="0">
+                        <a:rPr lang="en-US" altLang="ko-KR" sz="800" b="0" dirty="0">
                           <a:solidFill>
                             <a:schemeClr val="bg1"/>
                           </a:solidFill>
@@ -5288,7 +5288,7 @@
                   </a:ext>
                 </a:extLst>
               </a:tr>
-              <a:tr h="715248">
+              <a:tr h="250847">
                 <a:tc>
                   <a:txBody>
                     <a:bodyPr/>
@@ -5296,7 +5296,7 @@
                     <a:p>
                       <a:pPr lvl="0" algn="ctr" latinLnBrk="1"/>
                       <a:r>
-                        <a:rPr lang="en-US" altLang="ko-KR" sz="1500" b="0" dirty="0">
+                        <a:rPr lang="en-US" altLang="ko-KR" sz="800" b="0" dirty="0">
                           <a:solidFill>
                             <a:schemeClr val="bg1"/>
                           </a:solidFill>
@@ -5304,7 +5304,7 @@
                         <a:t>3</a:t>
                       </a:r>
                       <a:r>
-                        <a:rPr lang="ko-KR" altLang="en-US" sz="1500" b="0" dirty="0">
+                        <a:rPr lang="ko-KR" altLang="en-US" sz="800" b="0" dirty="0">
                           <a:solidFill>
                             <a:schemeClr val="bg1"/>
                           </a:solidFill>
@@ -5518,7 +5518,7 @@
                   </a:ext>
                 </a:extLst>
               </a:tr>
-              <a:tr h="1335043">
+              <a:tr h="1021866">
                 <a:tc>
                   <a:txBody>
                     <a:bodyPr/>
@@ -5604,7 +5604,7 @@
                         <a:buAutoNum type="arabicPeriod"/>
                       </a:pPr>
                       <a:r>
-                        <a:rPr lang="ko-KR" altLang="en-US" sz="1400" b="0" dirty="0">
+                        <a:rPr lang="ko-KR" altLang="en-US" sz="1100" b="0" dirty="0">
                           <a:solidFill>
                             <a:schemeClr val="bg1"/>
                           </a:solidFill>
@@ -5612,7 +5612,7 @@
                         <a:t>스테이지별 적용될 </a:t>
                       </a:r>
                       <a:r>
-                        <a:rPr lang="ko-KR" altLang="en-US" sz="1400" b="0" dirty="0" err="1">
+                        <a:rPr lang="ko-KR" altLang="en-US" sz="1100" b="0" dirty="0" err="1">
                           <a:solidFill>
                             <a:schemeClr val="bg1"/>
                           </a:solidFill>
@@ -5620,7 +5620,7 @@
                         <a:t>구분점</a:t>
                       </a:r>
                       <a:r>
-                        <a:rPr lang="ko-KR" altLang="en-US" sz="1400" b="0" dirty="0">
+                        <a:rPr lang="ko-KR" altLang="en-US" sz="1100" b="0" dirty="0">
                           <a:solidFill>
                             <a:schemeClr val="bg1"/>
                           </a:solidFill>
@@ -5628,14 +5628,14 @@
                         <a:t> 설정</a:t>
                       </a:r>
                       <a:br>
-                        <a:rPr lang="en-US" altLang="ko-KR" sz="1400" b="0" dirty="0">
+                        <a:rPr lang="en-US" altLang="ko-KR" sz="1100" b="0" dirty="0">
                           <a:solidFill>
                             <a:schemeClr val="bg1"/>
                           </a:solidFill>
                         </a:rPr>
                       </a:br>
                       <a:r>
-                        <a:rPr lang="en-US" altLang="ko-KR" sz="1400" b="0" dirty="0">
+                        <a:rPr lang="en-US" altLang="ko-KR" sz="1100" b="0" dirty="0">
                           <a:solidFill>
                             <a:schemeClr val="bg1"/>
                           </a:solidFill>
@@ -5643,7 +5643,7 @@
                         <a:t>(</a:t>
                       </a:r>
                       <a:r>
-                        <a:rPr lang="ko-KR" altLang="en-US" sz="1400" b="0" dirty="0">
+                        <a:rPr lang="ko-KR" altLang="en-US" sz="1100" b="0" dirty="0">
                           <a:solidFill>
                             <a:schemeClr val="bg1"/>
                           </a:solidFill>
@@ -5651,7 +5651,7 @@
                         <a:t>시작위치 </a:t>
                       </a:r>
                       <a:r>
-                        <a:rPr lang="ko-KR" altLang="en-US" sz="1400" b="0" dirty="0" err="1">
+                        <a:rPr lang="ko-KR" altLang="en-US" sz="1100" b="0" dirty="0" err="1">
                           <a:solidFill>
                             <a:schemeClr val="bg1"/>
                           </a:solidFill>
@@ -5659,7 +5659,7 @@
                         <a:t>좌푯값</a:t>
                       </a:r>
                       <a:r>
-                        <a:rPr lang="en-US" altLang="ko-KR" sz="1400" b="0" dirty="0">
+                        <a:rPr lang="en-US" altLang="ko-KR" sz="1100" b="0" dirty="0">
                           <a:solidFill>
                             <a:schemeClr val="bg1"/>
                           </a:solidFill>
@@ -5667,7 +5667,7 @@
                         <a:t>, </a:t>
                       </a:r>
                       <a:r>
-                        <a:rPr lang="ko-KR" altLang="en-US" sz="1400" b="0" dirty="0">
+                        <a:rPr lang="ko-KR" altLang="en-US" sz="1100" b="0" dirty="0">
                           <a:solidFill>
                             <a:schemeClr val="bg1"/>
                           </a:solidFill>
@@ -5675,7 +5675,7 @@
                         <a:t>몬스터 리스트</a:t>
                       </a:r>
                       <a:r>
-                        <a:rPr lang="en-US" altLang="ko-KR" sz="1400" b="0" dirty="0">
+                        <a:rPr lang="en-US" altLang="ko-KR" sz="1100" b="0" dirty="0">
                           <a:solidFill>
                             <a:schemeClr val="bg1"/>
                           </a:solidFill>
@@ -5683,7 +5683,7 @@
                         <a:t>, </a:t>
                       </a:r>
                       <a:r>
-                        <a:rPr lang="ko-KR" altLang="en-US" sz="1400" b="0" dirty="0">
+                        <a:rPr lang="ko-KR" altLang="en-US" sz="1100" b="0" dirty="0">
                           <a:solidFill>
                             <a:schemeClr val="bg1"/>
                           </a:solidFill>
@@ -5691,7 +5691,7 @@
                         <a:t>코인 좌표 리스트 등</a:t>
                       </a:r>
                       <a:r>
-                        <a:rPr lang="en-US" altLang="ko-KR" sz="1400" b="0" dirty="0">
+                        <a:rPr lang="en-US" altLang="ko-KR" sz="1100" b="0" dirty="0">
                           <a:solidFill>
                             <a:schemeClr val="bg1"/>
                           </a:solidFill>
@@ -5704,14 +5704,14 @@
                         <a:buAutoNum type="arabicPeriod"/>
                       </a:pPr>
                       <a:r>
-                        <a:rPr lang="ko-KR" altLang="en-US" sz="1400" b="0" dirty="0">
+                        <a:rPr lang="ko-KR" altLang="en-US" sz="1100" b="0" dirty="0">
                           <a:solidFill>
                             <a:schemeClr val="bg1"/>
                           </a:solidFill>
                         </a:rPr>
                         <a:t>맵 리소스 적용 후 충돌 체크 확인</a:t>
                       </a:r>
-                      <a:endParaRPr lang="en-US" altLang="ko-KR" sz="1400" b="0" dirty="0">
+                      <a:endParaRPr lang="en-US" altLang="ko-KR" sz="1100" b="0" dirty="0">
                         <a:solidFill>
                           <a:schemeClr val="bg1"/>
                         </a:solidFill>
@@ -5736,14 +5736,14 @@
                         <a:defRPr/>
                       </a:pPr>
                       <a:r>
-                        <a:rPr lang="ko-KR" altLang="en-US" sz="1400" b="0" dirty="0">
+                        <a:rPr lang="ko-KR" altLang="en-US" sz="1100" b="0" dirty="0">
                           <a:solidFill>
                             <a:schemeClr val="bg1"/>
                           </a:solidFill>
                         </a:rPr>
                         <a:t>맵 간 시작과 클리어 설정</a:t>
                       </a:r>
-                      <a:endParaRPr lang="en-US" altLang="ko-KR" sz="1400" b="0" dirty="0">
+                      <a:endParaRPr lang="en-US" altLang="ko-KR" sz="1100" b="0" dirty="0">
                         <a:solidFill>
                           <a:schemeClr val="bg1"/>
                         </a:solidFill>
@@ -5768,7 +5768,7 @@
                         <a:defRPr/>
                       </a:pPr>
                       <a:r>
-                        <a:rPr lang="ko-KR" altLang="en-US" sz="1400" b="0" dirty="0">
+                        <a:rPr lang="ko-KR" altLang="en-US" sz="1100" b="0" dirty="0">
                           <a:solidFill>
                             <a:schemeClr val="bg1"/>
                           </a:solidFill>
@@ -5776,7 +5776,7 @@
                         <a:t>코인 </a:t>
                       </a:r>
                       <a:r>
-                        <a:rPr lang="ko-KR" altLang="en-US" sz="1400" b="0" dirty="0" err="1">
+                        <a:rPr lang="ko-KR" altLang="en-US" sz="1100" b="0" dirty="0" err="1">
                           <a:solidFill>
                             <a:schemeClr val="bg1"/>
                           </a:solidFill>
@@ -5784,7 +5784,7 @@
                         <a:t>흭득</a:t>
                       </a:r>
                       <a:r>
-                        <a:rPr lang="ko-KR" altLang="en-US" sz="1400" b="0" dirty="0">
+                        <a:rPr lang="ko-KR" altLang="en-US" sz="1100" b="0" dirty="0">
                           <a:solidFill>
                             <a:schemeClr val="bg1"/>
                           </a:solidFill>
@@ -5792,7 +5792,7 @@
                         <a:t> 구현 및 </a:t>
                       </a:r>
                       <a:r>
-                        <a:rPr lang="ko-KR" altLang="en-US" sz="1400" b="0" dirty="0" err="1">
+                        <a:rPr lang="ko-KR" altLang="en-US" sz="1100" b="0" dirty="0" err="1">
                           <a:solidFill>
                             <a:schemeClr val="bg1"/>
                           </a:solidFill>
@@ -5800,14 +5800,14 @@
                         <a:t>점프대</a:t>
                       </a:r>
                       <a:r>
-                        <a:rPr lang="ko-KR" altLang="en-US" sz="1400" b="0" dirty="0">
+                        <a:rPr lang="ko-KR" altLang="en-US" sz="1100" b="0" dirty="0">
                           <a:solidFill>
                             <a:schemeClr val="bg1"/>
                           </a:solidFill>
                         </a:rPr>
                         <a:t> 오브젝트 구현 및 테스트</a:t>
                       </a:r>
-                      <a:endParaRPr lang="en-US" altLang="ko-KR" sz="1400" b="0" dirty="0">
+                      <a:endParaRPr lang="en-US" altLang="ko-KR" sz="1100" b="0" dirty="0">
                         <a:solidFill>
                           <a:schemeClr val="bg1"/>
                         </a:solidFill>
@@ -5875,7 +5875,7 @@
                         <a:buAutoNum type="arabicPeriod"/>
                       </a:pPr>
                       <a:r>
-                        <a:rPr lang="ko-KR" altLang="en-US" sz="1400" dirty="0">
+                        <a:rPr lang="ko-KR" altLang="en-US" sz="1100" dirty="0">
                           <a:solidFill>
                             <a:schemeClr val="bg1"/>
                           </a:solidFill>
@@ -5883,7 +5883,7 @@
                         <a:t>스테이지별 적용될 </a:t>
                       </a:r>
                       <a:r>
-                        <a:rPr lang="ko-KR" altLang="en-US" sz="1400" dirty="0" err="1">
+                        <a:rPr lang="ko-KR" altLang="en-US" sz="1100" dirty="0" err="1">
                           <a:solidFill>
                             <a:schemeClr val="bg1"/>
                           </a:solidFill>
@@ -5891,51 +5891,15 @@
                         <a:t>구분점</a:t>
                       </a:r>
                       <a:r>
-                        <a:rPr lang="ko-KR" altLang="en-US" sz="1400" dirty="0">
+                        <a:rPr lang="ko-KR" altLang="en-US" sz="1100" dirty="0">
                           <a:solidFill>
                             <a:schemeClr val="bg1"/>
                           </a:solidFill>
                         </a:rPr>
                         <a:t> 설정 완료</a:t>
                       </a:r>
-                      <a:br>
-                        <a:rPr lang="en-US" altLang="ko-KR" sz="1400" dirty="0">
-                          <a:solidFill>
-                            <a:schemeClr val="bg1"/>
-                          </a:solidFill>
-                        </a:rPr>
-                      </a:br>
-                      <a:r>
-                        <a:rPr lang="en-US" altLang="ko-KR" sz="1400" dirty="0">
-                          <a:solidFill>
-                            <a:srgbClr val="C00000"/>
-                          </a:solidFill>
-                        </a:rPr>
-                        <a:t>(game world </a:t>
-                      </a:r>
-                      <a:r>
-                        <a:rPr lang="ko-KR" altLang="en-US" sz="1400" dirty="0">
-                          <a:solidFill>
-                            <a:srgbClr val="C00000"/>
-                          </a:solidFill>
-                        </a:rPr>
-                        <a:t>에 대한 추가구현은 필요함</a:t>
-                      </a:r>
-                      <a:r>
-                        <a:rPr lang="en-US" altLang="ko-KR" sz="1400" dirty="0">
-                          <a:solidFill>
-                            <a:srgbClr val="C00000"/>
-                          </a:solidFill>
-                        </a:rPr>
-                        <a:t>)</a:t>
-                      </a:r>
-                    </a:p>
-                    <a:p>
-                      <a:pPr marL="342900" lvl="0" indent="-342900" algn="l" latinLnBrk="1">
-                        <a:buAutoNum type="arabicPeriod"/>
-                      </a:pPr>
-                      <a:r>
-                        <a:rPr lang="en-US" altLang="ko-KR" sz="1400" dirty="0">
+                      <a:r>
+                        <a:rPr lang="en-US" altLang="ko-KR" sz="1100" dirty="0">
                           <a:solidFill>
                             <a:schemeClr val="bg1"/>
                           </a:solidFill>
@@ -5943,14 +5907,14 @@
                         <a:t>1</a:t>
                       </a:r>
                       <a:r>
-                        <a:rPr lang="ko-KR" altLang="en-US" sz="1400" dirty="0">
+                        <a:rPr lang="ko-KR" altLang="en-US" sz="1100" dirty="0">
                           <a:solidFill>
                             <a:schemeClr val="bg1"/>
                           </a:solidFill>
                         </a:rPr>
                         <a:t>스테이지 충돌체크 구현 완료</a:t>
                       </a:r>
-                      <a:endParaRPr lang="en-US" altLang="ko-KR" sz="1400" dirty="0">
+                      <a:endParaRPr lang="en-US" altLang="ko-KR" sz="1100" dirty="0">
                         <a:solidFill>
                           <a:schemeClr val="bg1"/>
                         </a:solidFill>
@@ -5961,14 +5925,14 @@
                         <a:buAutoNum type="arabicPeriod"/>
                       </a:pPr>
                       <a:r>
-                        <a:rPr lang="ko-KR" altLang="en-US" sz="1400" dirty="0">
+                        <a:rPr lang="ko-KR" altLang="en-US" sz="1100" dirty="0">
                           <a:solidFill>
                             <a:schemeClr val="bg1"/>
                           </a:solidFill>
                         </a:rPr>
                         <a:t>시작과 클리어 설정 완료</a:t>
                       </a:r>
-                      <a:endParaRPr lang="en-US" altLang="ko-KR" sz="1400" dirty="0">
+                      <a:endParaRPr lang="en-US" altLang="ko-KR" sz="1100" dirty="0">
                         <a:solidFill>
                           <a:schemeClr val="bg1"/>
                         </a:solidFill>
@@ -5979,7 +5943,7 @@
                         <a:buAutoNum type="arabicPeriod"/>
                       </a:pPr>
                       <a:r>
-                        <a:rPr lang="ko-KR" altLang="en-US" sz="1400" dirty="0">
+                        <a:rPr lang="ko-KR" altLang="en-US" sz="1100" dirty="0">
                           <a:solidFill>
                             <a:schemeClr val="bg1"/>
                           </a:solidFill>
@@ -5987,7 +5951,7 @@
                         <a:t>코인 구현 및 </a:t>
                       </a:r>
                       <a:r>
-                        <a:rPr lang="ko-KR" altLang="en-US" sz="1400" dirty="0" err="1">
+                        <a:rPr lang="ko-KR" altLang="en-US" sz="1100" dirty="0" err="1">
                           <a:solidFill>
                             <a:schemeClr val="bg1"/>
                           </a:solidFill>
@@ -5995,7 +5959,7 @@
                         <a:t>점프대</a:t>
                       </a:r>
                       <a:r>
-                        <a:rPr lang="ko-KR" altLang="en-US" sz="1400" dirty="0">
+                        <a:rPr lang="ko-KR" altLang="en-US" sz="1100" dirty="0">
                           <a:solidFill>
                             <a:schemeClr val="bg1"/>
                           </a:solidFill>
@@ -6003,14 +5967,14 @@
                         <a:t> 오브젝트 구현</a:t>
                       </a:r>
                       <a:br>
-                        <a:rPr lang="en-US" altLang="ko-KR" sz="1400" dirty="0">
+                        <a:rPr lang="en-US" altLang="ko-KR" sz="1100" dirty="0">
                           <a:solidFill>
                             <a:schemeClr val="bg1"/>
                           </a:solidFill>
                         </a:rPr>
                       </a:br>
                       <a:r>
-                        <a:rPr lang="en-US" altLang="ko-KR" sz="1400" dirty="0">
+                        <a:rPr lang="en-US" altLang="ko-KR" sz="1100" dirty="0">
                           <a:solidFill>
                             <a:schemeClr val="bg1"/>
                           </a:solidFill>
@@ -6018,7 +5982,7 @@
                         <a:t>(1</a:t>
                       </a:r>
                       <a:r>
-                        <a:rPr lang="ko-KR" altLang="en-US" sz="1400" dirty="0">
+                        <a:rPr lang="ko-KR" altLang="en-US" sz="1100" dirty="0">
                           <a:solidFill>
                             <a:schemeClr val="bg1"/>
                           </a:solidFill>
@@ -6026,7 +5990,7 @@
                         <a:t>스테이지에 이식 완료</a:t>
                       </a:r>
                       <a:r>
-                        <a:rPr lang="en-US" altLang="ko-KR" sz="1400" dirty="0">
+                        <a:rPr lang="en-US" altLang="ko-KR" sz="1100" dirty="0">
                           <a:solidFill>
                             <a:schemeClr val="bg1"/>
                           </a:solidFill>
@@ -6115,7 +6079,7 @@
                             <a:schemeClr val="bg1"/>
                           </a:solidFill>
                         </a:rPr>
-                        <a:t>90%</a:t>
+                        <a:t>100%</a:t>
                       </a:r>
                     </a:p>
                   </a:txBody>
@@ -6177,7 +6141,7 @@
                   </a:ext>
                 </a:extLst>
               </a:tr>
-              <a:tr h="305833">
+              <a:tr h="281355">
                 <a:tc rowSpan="2">
                   <a:txBody>
                     <a:bodyPr/>
@@ -6733,7 +6697,7 @@
                   </a:ext>
                 </a:extLst>
               </a:tr>
-              <a:tr h="103739">
+              <a:tr h="0">
                 <a:tc vMerge="1">
                   <a:txBody>
                     <a:bodyPr/>
@@ -7351,7 +7315,7 @@
                   </a:ext>
                 </a:extLst>
               </a:tr>
-              <a:tr h="692152">
+              <a:tr h="805319">
                 <a:tc rowSpan="2">
                   <a:txBody>
                     <a:bodyPr/>
@@ -7593,7 +7557,7 @@
                   </a:ext>
                 </a:extLst>
               </a:tr>
-              <a:tr h="616174">
+              <a:tr h="1069150">
                 <a:tc vMerge="1">
                   <a:txBody>
                     <a:bodyPr/>
@@ -8036,6 +8000,42 @@
                         <a:t>)</a:t>
                       </a:r>
                     </a:p>
+                    <a:p>
+                      <a:pPr marL="342900" lvl="0" indent="-342900" algn="l" latinLnBrk="1">
+                        <a:buAutoNum type="arabicPeriod"/>
+                      </a:pPr>
+                      <a:r>
+                        <a:rPr lang="ko-KR" altLang="en-US" sz="1400" dirty="0">
+                          <a:solidFill>
+                            <a:srgbClr val="C00000"/>
+                          </a:solidFill>
+                        </a:rPr>
+                        <a:t>상태 변환에 따른 이미지 출력 확인</a:t>
+                      </a:r>
+                      <a:endParaRPr lang="en-US" altLang="ko-KR" sz="1400" dirty="0">
+                        <a:solidFill>
+                          <a:srgbClr val="C00000"/>
+                        </a:solidFill>
+                      </a:endParaRPr>
+                    </a:p>
+                    <a:p>
+                      <a:pPr marL="342900" lvl="0" indent="-342900" algn="l" latinLnBrk="1">
+                        <a:buAutoNum type="arabicPeriod"/>
+                      </a:pPr>
+                      <a:r>
+                        <a:rPr lang="ko-KR" altLang="en-US" sz="1400" dirty="0">
+                          <a:solidFill>
+                            <a:srgbClr val="C00000"/>
+                          </a:solidFill>
+                        </a:rPr>
+                        <a:t>요시의 혀 공격 및 알 공격 구현</a:t>
+                      </a:r>
+                      <a:endParaRPr lang="en-US" altLang="ko-KR" sz="1400" dirty="0">
+                        <a:solidFill>
+                          <a:srgbClr val="C00000"/>
+                        </a:solidFill>
+                      </a:endParaRPr>
+                    </a:p>
                   </a:txBody>
                   <a:tcPr anchor="ctr">
                     <a:lnL w="12700" cap="flat" cmpd="sng" algn="ctr">
@@ -8117,7 +8117,7 @@
                             <a:srgbClr val="C00000"/>
                           </a:solidFill>
                         </a:rPr>
-                        <a:t>35%</a:t>
+                        <a:t>30%</a:t>
                       </a:r>
                     </a:p>
                   </a:txBody>
@@ -8176,6 +8176,554 @@
                 <a:extLst>
                   <a:ext uri="{0D108BD9-81ED-4DB2-BD59-A6C34878D82A}">
                     <a16:rowId xmlns:a16="http://schemas.microsoft.com/office/drawing/2014/main" val="1113676377"/>
+                  </a:ext>
+                </a:extLst>
+              </a:tr>
+              <a:tr h="872202">
+                <a:tc>
+                  <a:txBody>
+                    <a:bodyPr/>
+                    <a:lstStyle/>
+                    <a:p>
+                      <a:pPr lvl="0" algn="ctr" latinLnBrk="1"/>
+                      <a:r>
+                        <a:rPr lang="en-US" altLang="ko-KR" sz="1500" dirty="0">
+                          <a:solidFill>
+                            <a:schemeClr val="bg1"/>
+                          </a:solidFill>
+                        </a:rPr>
+                        <a:t>7</a:t>
+                      </a:r>
+                      <a:r>
+                        <a:rPr lang="ko-KR" altLang="en-US" sz="1500" dirty="0">
+                          <a:solidFill>
+                            <a:schemeClr val="bg1"/>
+                          </a:solidFill>
+                        </a:rPr>
+                        <a:t>주차</a:t>
+                      </a:r>
+                    </a:p>
+                  </a:txBody>
+                  <a:tcPr anchor="ctr">
+                    <a:lnL w="12700" cap="flat" cmpd="sng" algn="ctr">
+                      <a:solidFill>
+                        <a:schemeClr val="tx1"/>
+                      </a:solidFill>
+                      <a:prstDash val="solid"/>
+                      <a:round/>
+                      <a:headEnd type="none" w="med" len="med"/>
+                      <a:tailEnd type="none" w="med" len="med"/>
+                    </a:lnL>
+                    <a:lnR w="12700" cap="flat" cmpd="sng" algn="ctr">
+                      <a:solidFill>
+                        <a:schemeClr val="tx1"/>
+                      </a:solidFill>
+                      <a:prstDash val="solid"/>
+                      <a:round/>
+                      <a:headEnd type="none" w="med" len="med"/>
+                      <a:tailEnd type="none" w="med" len="med"/>
+                    </a:lnR>
+                    <a:lnT w="12700" cap="flat" cmpd="sng" algn="ctr">
+                      <a:solidFill>
+                        <a:schemeClr val="tx1"/>
+                      </a:solidFill>
+                      <a:prstDash val="solid"/>
+                      <a:round/>
+                      <a:headEnd type="none" w="med" len="med"/>
+                      <a:tailEnd type="none" w="med" len="med"/>
+                    </a:lnT>
+                    <a:lnB w="12700" cap="flat" cmpd="sng" algn="ctr">
+                      <a:solidFill>
+                        <a:schemeClr val="tx1"/>
+                      </a:solidFill>
+                      <a:prstDash val="solid"/>
+                      <a:round/>
+                      <a:headEnd type="none" w="med" len="med"/>
+                      <a:tailEnd type="none" w="med" len="med"/>
+                    </a:lnB>
+                    <a:lnTlToBr w="12700" cmpd="sng">
+                      <a:noFill/>
+                      <a:prstDash val="solid"/>
+                    </a:lnTlToBr>
+                    <a:lnBlToTr w="12700" cmpd="sng">
+                      <a:noFill/>
+                      <a:prstDash val="solid"/>
+                    </a:lnBlToTr>
+                    <a:solidFill>
+                      <a:schemeClr val="accent5">
+                        <a:lumMod val="75000"/>
+                      </a:schemeClr>
+                    </a:solidFill>
+                  </a:tcPr>
+                </a:tc>
+                <a:tc>
+                  <a:txBody>
+                    <a:bodyPr/>
+                    <a:lstStyle/>
+                    <a:p>
+                      <a:pPr lvl="0" algn="ctr" latinLnBrk="1"/>
+                      <a:r>
+                        <a:rPr lang="ko-KR" altLang="en-US" sz="1500" b="1" dirty="0">
+                          <a:solidFill>
+                            <a:schemeClr val="bg1"/>
+                          </a:solidFill>
+                        </a:rPr>
+                        <a:t>스테이지 </a:t>
+                      </a:r>
+                      <a:r>
+                        <a:rPr lang="en-US" altLang="ko-KR" sz="1500" b="1" dirty="0">
+                          <a:solidFill>
+                            <a:schemeClr val="bg1"/>
+                          </a:solidFill>
+                        </a:rPr>
+                        <a:t>1 </a:t>
+                      </a:r>
+                      <a:r>
+                        <a:rPr lang="ko-KR" altLang="en-US" sz="1500" b="1" dirty="0">
+                          <a:solidFill>
+                            <a:schemeClr val="bg1"/>
+                          </a:solidFill>
+                        </a:rPr>
+                        <a:t>적 적용 </a:t>
+                      </a:r>
+                      <a:r>
+                        <a:rPr lang="en-US" altLang="ko-KR" sz="1500" b="1" dirty="0">
+                          <a:solidFill>
+                            <a:schemeClr val="bg1"/>
+                          </a:solidFill>
+                        </a:rPr>
+                        <a:t>/ </a:t>
+                      </a:r>
+                      <a:r>
+                        <a:rPr lang="ko-KR" altLang="en-US" sz="1500" b="1" dirty="0">
+                          <a:solidFill>
+                            <a:schemeClr val="bg1"/>
+                          </a:solidFill>
+                        </a:rPr>
+                        <a:t>중간점검</a:t>
+                      </a:r>
+                      <a:endParaRPr lang="en-US" altLang="ko-KR" sz="1500" b="1" dirty="0">
+                        <a:solidFill>
+                          <a:schemeClr val="bg1"/>
+                        </a:solidFill>
+                      </a:endParaRPr>
+                    </a:p>
+                  </a:txBody>
+                  <a:tcPr anchor="ctr">
+                    <a:lnL w="12700" cap="flat" cmpd="sng" algn="ctr">
+                      <a:solidFill>
+                        <a:schemeClr val="tx1"/>
+                      </a:solidFill>
+                      <a:prstDash val="solid"/>
+                      <a:round/>
+                      <a:headEnd type="none" w="med" len="med"/>
+                      <a:tailEnd type="none" w="med" len="med"/>
+                    </a:lnL>
+                    <a:lnR w="12700" cap="flat" cmpd="sng" algn="ctr">
+                      <a:solidFill>
+                        <a:schemeClr val="tx1"/>
+                      </a:solidFill>
+                      <a:prstDash val="solid"/>
+                      <a:round/>
+                      <a:headEnd type="none" w="med" len="med"/>
+                      <a:tailEnd type="none" w="med" len="med"/>
+                    </a:lnR>
+                    <a:lnT w="12700" cap="flat" cmpd="sng" algn="ctr">
+                      <a:solidFill>
+                        <a:schemeClr val="tx1"/>
+                      </a:solidFill>
+                      <a:prstDash val="solid"/>
+                      <a:round/>
+                      <a:headEnd type="none" w="med" len="med"/>
+                      <a:tailEnd type="none" w="med" len="med"/>
+                    </a:lnT>
+                    <a:lnB w="12700" cap="flat" cmpd="sng" algn="ctr">
+                      <a:solidFill>
+                        <a:schemeClr val="tx1"/>
+                      </a:solidFill>
+                      <a:prstDash val="solid"/>
+                      <a:round/>
+                      <a:headEnd type="none" w="med" len="med"/>
+                      <a:tailEnd type="none" w="med" len="med"/>
+                    </a:lnB>
+                    <a:lnTlToBr w="12700" cmpd="sng">
+                      <a:noFill/>
+                      <a:prstDash val="solid"/>
+                    </a:lnTlToBr>
+                    <a:lnBlToTr w="12700" cmpd="sng">
+                      <a:noFill/>
+                      <a:prstDash val="solid"/>
+                    </a:lnBlToTr>
+                    <a:solidFill>
+                      <a:schemeClr val="accent5">
+                        <a:lumMod val="75000"/>
+                      </a:schemeClr>
+                    </a:solidFill>
+                  </a:tcPr>
+                </a:tc>
+                <a:tc>
+                  <a:txBody>
+                    <a:bodyPr/>
+                    <a:lstStyle/>
+                    <a:p>
+                      <a:pPr marL="342900" lvl="0" indent="-342900" algn="l" latinLnBrk="1">
+                        <a:buAutoNum type="arabicPeriod"/>
+                      </a:pPr>
+                      <a:r>
+                        <a:rPr lang="ko-KR" altLang="en-US" sz="1400" dirty="0">
+                          <a:solidFill>
+                            <a:srgbClr val="C00000"/>
+                          </a:solidFill>
+                        </a:rPr>
+                        <a:t>스테이지 </a:t>
+                      </a:r>
+                      <a:r>
+                        <a:rPr lang="en-US" altLang="ko-KR" sz="1400" dirty="0">
+                          <a:solidFill>
+                            <a:srgbClr val="C00000"/>
+                          </a:solidFill>
+                        </a:rPr>
+                        <a:t>1</a:t>
+                      </a:r>
+                      <a:r>
+                        <a:rPr lang="ko-KR" altLang="en-US" sz="1400" dirty="0">
+                          <a:solidFill>
+                            <a:srgbClr val="C00000"/>
+                          </a:solidFill>
+                        </a:rPr>
+                        <a:t> 적 배치 및 기술 적용 확인</a:t>
+                      </a:r>
+                      <a:r>
+                        <a:rPr lang="en-US" altLang="ko-KR" sz="1400" dirty="0">
+                          <a:solidFill>
+                            <a:srgbClr val="C00000"/>
+                          </a:solidFill>
+                        </a:rPr>
+                        <a:t>(4~6</a:t>
+                      </a:r>
+                      <a:r>
+                        <a:rPr lang="ko-KR" altLang="en-US" sz="1400" dirty="0">
+                          <a:solidFill>
+                            <a:srgbClr val="C00000"/>
+                          </a:solidFill>
+                        </a:rPr>
+                        <a:t>주차 점검</a:t>
+                      </a:r>
+                      <a:r>
+                        <a:rPr lang="en-US" altLang="ko-KR" sz="1400" dirty="0">
+                          <a:solidFill>
+                            <a:srgbClr val="C00000"/>
+                          </a:solidFill>
+                        </a:rPr>
+                        <a:t>) </a:t>
+                      </a:r>
+                    </a:p>
+                    <a:p>
+                      <a:pPr marL="0" lvl="0" indent="0" algn="l" latinLnBrk="1">
+                        <a:buNone/>
+                      </a:pPr>
+                      <a:r>
+                        <a:rPr lang="en-US" altLang="ko-KR" sz="1400" dirty="0">
+                          <a:solidFill>
+                            <a:srgbClr val="C00000"/>
+                          </a:solidFill>
+                        </a:rPr>
+                        <a:t>      (-&gt; </a:t>
+                      </a:r>
+                      <a:r>
+                        <a:rPr lang="ko-KR" altLang="en-US" sz="1400" dirty="0">
+                          <a:solidFill>
+                            <a:srgbClr val="C00000"/>
+                          </a:solidFill>
+                        </a:rPr>
+                        <a:t>초기 </a:t>
+                      </a:r>
+                      <a:r>
+                        <a:rPr lang="ko-KR" altLang="en-US" sz="1400" dirty="0" err="1">
+                          <a:solidFill>
+                            <a:srgbClr val="C00000"/>
+                          </a:solidFill>
+                        </a:rPr>
+                        <a:t>생성값만</a:t>
+                      </a:r>
+                      <a:r>
+                        <a:rPr lang="ko-KR" altLang="en-US" sz="1400" dirty="0">
+                          <a:solidFill>
+                            <a:srgbClr val="C00000"/>
+                          </a:solidFill>
+                        </a:rPr>
+                        <a:t> 넘겨주면 되므로 </a:t>
+                      </a:r>
+                      <a:r>
+                        <a:rPr lang="en-US" altLang="ko-KR" sz="1400" dirty="0">
+                          <a:solidFill>
+                            <a:srgbClr val="C00000"/>
+                          </a:solidFill>
+                        </a:rPr>
+                        <a:t>6</a:t>
+                      </a:r>
+                      <a:r>
+                        <a:rPr lang="ko-KR" altLang="en-US" sz="1400" dirty="0">
+                          <a:solidFill>
+                            <a:srgbClr val="C00000"/>
+                          </a:solidFill>
+                        </a:rPr>
+                        <a:t>주차 </a:t>
+                      </a:r>
+                      <a:r>
+                        <a:rPr lang="ko-KR" altLang="en-US" sz="1400" dirty="0" err="1">
+                          <a:solidFill>
+                            <a:srgbClr val="C00000"/>
+                          </a:solidFill>
+                        </a:rPr>
+                        <a:t>완료시</a:t>
+                      </a:r>
+                      <a:r>
+                        <a:rPr lang="ko-KR" altLang="en-US" sz="1400" dirty="0">
+                          <a:solidFill>
+                            <a:srgbClr val="C00000"/>
+                          </a:solidFill>
+                        </a:rPr>
+                        <a:t> </a:t>
+                      </a:r>
+                      <a:br>
+                        <a:rPr lang="en-US" altLang="ko-KR" sz="1400" dirty="0">
+                          <a:solidFill>
+                            <a:srgbClr val="C00000"/>
+                          </a:solidFill>
+                        </a:rPr>
+                      </a:br>
+                      <a:r>
+                        <a:rPr lang="en-US" altLang="ko-KR" sz="1400" dirty="0">
+                          <a:solidFill>
+                            <a:srgbClr val="C00000"/>
+                          </a:solidFill>
+                        </a:rPr>
+                        <a:t>           </a:t>
+                      </a:r>
+                      <a:r>
+                        <a:rPr lang="ko-KR" altLang="en-US" sz="1400" dirty="0">
+                          <a:solidFill>
+                            <a:srgbClr val="C00000"/>
+                          </a:solidFill>
+                        </a:rPr>
+                        <a:t>바로 해결</a:t>
+                      </a:r>
+                      <a:r>
+                        <a:rPr lang="en-US" altLang="ko-KR" sz="1400" dirty="0">
+                          <a:solidFill>
+                            <a:srgbClr val="C00000"/>
+                          </a:solidFill>
+                        </a:rPr>
+                        <a:t>)</a:t>
+                      </a:r>
+                    </a:p>
+                    <a:p>
+                      <a:pPr marL="342900" lvl="0" indent="-342900" algn="l" latinLnBrk="1">
+                        <a:buAutoNum type="arabicPeriod"/>
+                      </a:pPr>
+                      <a:r>
+                        <a:rPr lang="en-US" altLang="ko-KR" sz="1400" b="1" dirty="0">
+                          <a:solidFill>
+                            <a:schemeClr val="bg1"/>
+                          </a:solidFill>
+                        </a:rPr>
+                        <a:t>Game World</a:t>
+                      </a:r>
+                      <a:r>
+                        <a:rPr lang="ko-KR" altLang="en-US" sz="1400" b="1" dirty="0">
+                          <a:solidFill>
+                            <a:schemeClr val="bg1"/>
+                          </a:solidFill>
+                        </a:rPr>
+                        <a:t>에 대한 </a:t>
+                      </a:r>
+                      <a:r>
+                        <a:rPr lang="ko-KR" altLang="en-US" sz="1400" b="1" dirty="0" err="1">
+                          <a:solidFill>
+                            <a:schemeClr val="bg1"/>
+                          </a:solidFill>
+                        </a:rPr>
+                        <a:t>리팩토링</a:t>
+                      </a:r>
+                      <a:r>
+                        <a:rPr lang="ko-KR" altLang="en-US" sz="1400" b="1" dirty="0">
+                          <a:solidFill>
+                            <a:schemeClr val="bg1"/>
+                          </a:solidFill>
+                        </a:rPr>
+                        <a:t> </a:t>
+                      </a:r>
+                      <a:r>
+                        <a:rPr lang="en-US" altLang="ko-KR" sz="1400" b="1" dirty="0">
+                          <a:solidFill>
+                            <a:schemeClr val="bg1"/>
+                          </a:solidFill>
+                        </a:rPr>
+                        <a:t>+ </a:t>
+                      </a:r>
+                      <a:r>
+                        <a:rPr lang="ko-KR" altLang="en-US" sz="1400" b="1" dirty="0">
+                          <a:solidFill>
+                            <a:schemeClr val="bg1"/>
+                          </a:solidFill>
+                        </a:rPr>
+                        <a:t>충돌체크 </a:t>
+                      </a:r>
+                      <a:r>
+                        <a:rPr lang="ko-KR" altLang="en-US" sz="1400" b="1" dirty="0" err="1">
+                          <a:solidFill>
+                            <a:schemeClr val="bg1"/>
+                          </a:solidFill>
+                        </a:rPr>
+                        <a:t>리팩토링</a:t>
+                      </a:r>
+                      <a:endParaRPr lang="en-US" altLang="ko-KR" sz="1400" b="1" dirty="0">
+                        <a:solidFill>
+                          <a:srgbClr val="C00000"/>
+                        </a:solidFill>
+                      </a:endParaRPr>
+                    </a:p>
+                  </a:txBody>
+                  <a:tcPr anchor="ctr">
+                    <a:lnL w="12700" cap="flat" cmpd="sng" algn="ctr">
+                      <a:solidFill>
+                        <a:schemeClr val="tx1"/>
+                      </a:solidFill>
+                      <a:prstDash val="solid"/>
+                      <a:round/>
+                      <a:headEnd type="none" w="med" len="med"/>
+                      <a:tailEnd type="none" w="med" len="med"/>
+                    </a:lnL>
+                    <a:lnR w="12700" cap="flat" cmpd="sng" algn="ctr">
+                      <a:solidFill>
+                        <a:schemeClr val="tx1"/>
+                      </a:solidFill>
+                      <a:prstDash val="solid"/>
+                      <a:round/>
+                      <a:headEnd type="none" w="med" len="med"/>
+                      <a:tailEnd type="none" w="med" len="med"/>
+                    </a:lnR>
+                    <a:lnT w="12700" cap="flat" cmpd="sng" algn="ctr">
+                      <a:solidFill>
+                        <a:schemeClr val="tx1"/>
+                      </a:solidFill>
+                      <a:prstDash val="solid"/>
+                      <a:round/>
+                      <a:headEnd type="none" w="med" len="med"/>
+                      <a:tailEnd type="none" w="med" len="med"/>
+                    </a:lnT>
+                    <a:lnB w="12700" cap="flat" cmpd="sng" algn="ctr">
+                      <a:solidFill>
+                        <a:schemeClr val="tx1"/>
+                      </a:solidFill>
+                      <a:prstDash val="solid"/>
+                      <a:round/>
+                      <a:headEnd type="none" w="med" len="med"/>
+                      <a:tailEnd type="none" w="med" len="med"/>
+                    </a:lnB>
+                    <a:lnTlToBr w="12700" cmpd="sng">
+                      <a:noFill/>
+                      <a:prstDash val="solid"/>
+                    </a:lnTlToBr>
+                    <a:lnBlToTr w="12700" cmpd="sng">
+                      <a:noFill/>
+                      <a:prstDash val="solid"/>
+                    </a:lnBlToTr>
+                    <a:solidFill>
+                      <a:schemeClr val="accent5">
+                        <a:lumMod val="75000"/>
+                      </a:schemeClr>
+                    </a:solidFill>
+                  </a:tcPr>
+                </a:tc>
+                <a:tc>
+                  <a:txBody>
+                    <a:bodyPr/>
+                    <a:lstStyle/>
+                    <a:p>
+                      <a:pPr marL="0" marR="0" lvl="0" indent="0" algn="l" defTabSz="914400" rtl="0" eaLnBrk="1" fontAlgn="auto" latinLnBrk="1" hangingPunct="1">
+                        <a:lnSpc>
+                          <a:spcPct val="100000"/>
+                        </a:lnSpc>
+                        <a:spcBef>
+                          <a:spcPts val="0"/>
+                        </a:spcBef>
+                        <a:spcAft>
+                          <a:spcPts val="0"/>
+                        </a:spcAft>
+                        <a:buClrTx/>
+                        <a:buSzTx/>
+                        <a:buFontTx/>
+                        <a:buNone/>
+                        <a:tabLst/>
+                        <a:defRPr/>
+                      </a:pPr>
+                      <a:r>
+                        <a:rPr lang="en-US" altLang="ko-KR" sz="1400" dirty="0">
+                          <a:solidFill>
+                            <a:srgbClr val="C00000"/>
+                          </a:solidFill>
+                        </a:rPr>
+                        <a:t>70%</a:t>
+                      </a:r>
+                    </a:p>
+                  </a:txBody>
+                  <a:tcPr anchor="ctr">
+                    <a:lnL w="12700" cap="flat" cmpd="sng" algn="ctr">
+                      <a:solidFill>
+                        <a:schemeClr val="tx1"/>
+                      </a:solidFill>
+                      <a:prstDash val="solid"/>
+                      <a:round/>
+                      <a:headEnd type="none" w="med" len="med"/>
+                      <a:tailEnd type="none" w="med" len="med"/>
+                    </a:lnL>
+                    <a:lnR w="12700" cap="flat" cmpd="sng" algn="ctr">
+                      <a:solidFill>
+                        <a:schemeClr val="tx1"/>
+                      </a:solidFill>
+                      <a:prstDash val="solid"/>
+                      <a:round/>
+                      <a:headEnd type="none" w="med" len="med"/>
+                      <a:tailEnd type="none" w="med" len="med"/>
+                    </a:lnR>
+                    <a:lnT w="12700" cap="flat" cmpd="sng" algn="ctr">
+                      <a:solidFill>
+                        <a:schemeClr val="tx1"/>
+                      </a:solidFill>
+                      <a:prstDash val="solid"/>
+                      <a:round/>
+                      <a:headEnd type="none" w="med" len="med"/>
+                      <a:tailEnd type="none" w="med" len="med"/>
+                    </a:lnT>
+                    <a:lnB w="12700" cap="flat" cmpd="sng" algn="ctr">
+                      <a:solidFill>
+                        <a:schemeClr val="tx1"/>
+                      </a:solidFill>
+                      <a:prstDash val="solid"/>
+                      <a:round/>
+                      <a:headEnd type="none" w="med" len="med"/>
+                      <a:tailEnd type="none" w="med" len="med"/>
+                    </a:lnB>
+                    <a:lnTlToBr w="12700" cmpd="sng">
+                      <a:noFill/>
+                      <a:prstDash val="solid"/>
+                    </a:lnTlToBr>
+                    <a:lnBlToTr w="12700" cmpd="sng">
+                      <a:noFill/>
+                      <a:prstDash val="solid"/>
+                    </a:lnBlToTr>
+                    <a:solidFill>
+                      <a:schemeClr val="accent5">
+                        <a:lumMod val="75000"/>
+                      </a:schemeClr>
+                    </a:solidFill>
+                  </a:tcPr>
+                </a:tc>
+                <a:extLst>
+                  <a:ext uri="{0D108BD9-81ED-4DB2-BD59-A6C34878D82A}">
+                    <a16:rowId xmlns:a16="http://schemas.microsoft.com/office/drawing/2014/main" val="4105800094"/>
                   </a:ext>
                 </a:extLst>
               </a:tr>
@@ -8375,14 +8923,14 @@
           <p:nvPr>
             <p:extLst>
               <p:ext uri="{D42A27DB-BD31-4B8C-83A1-F6EECF244321}">
-                <p14:modId xmlns:p14="http://schemas.microsoft.com/office/powerpoint/2010/main" val="3631746445"/>
+                <p14:modId xmlns:p14="http://schemas.microsoft.com/office/powerpoint/2010/main" val="1250336462"/>
               </p:ext>
             </p:extLst>
           </p:nvPr>
         </p:nvGraphicFramePr>
         <p:xfrm>
           <a:off x="637131" y="1413416"/>
-          <a:ext cx="10683731" cy="3927264"/>
+          <a:ext cx="10683731" cy="3713904"/>
         </p:xfrm>
         <a:graphic>
           <a:graphicData uri="http://schemas.openxmlformats.org/drawingml/2006/table">
@@ -8466,6 +9014,15 @@
                       <a:headEnd type="none" w="med" len="med"/>
                       <a:tailEnd type="none" w="med" len="med"/>
                     </a:lnT>
+                    <a:lnB w="12700" cap="flat" cmpd="sng" algn="ctr">
+                      <a:solidFill>
+                        <a:schemeClr val="tx1"/>
+                      </a:solidFill>
+                      <a:prstDash val="solid"/>
+                      <a:round/>
+                      <a:headEnd type="none" w="med" len="med"/>
+                      <a:tailEnd type="none" w="med" len="med"/>
+                    </a:lnB>
                     <a:lnTlToBr w="12700" cmpd="sng">
                       <a:noFill/>
                       <a:prstDash val="solid"/>
@@ -8573,6 +9130,15 @@
                       <a:headEnd type="none" w="med" len="med"/>
                       <a:tailEnd type="none" w="med" len="med"/>
                     </a:lnT>
+                    <a:lnB w="12700" cap="flat" cmpd="sng" algn="ctr">
+                      <a:solidFill>
+                        <a:schemeClr val="tx1"/>
+                      </a:solidFill>
+                      <a:prstDash val="solid"/>
+                      <a:round/>
+                      <a:headEnd type="none" w="med" len="med"/>
+                      <a:tailEnd type="none" w="med" len="med"/>
+                    </a:lnB>
                     <a:lnTlToBr w="12700" cmpd="sng">
                       <a:noFill/>
                       <a:prstDash val="solid"/>
@@ -8731,38 +9297,6 @@
                             <a:schemeClr val="bg1"/>
                           </a:solidFill>
                         </a:rPr>
-                        <a:t>적에 의한 피격 및 베이비 </a:t>
-                      </a:r>
-                      <a:r>
-                        <a:rPr lang="ko-KR" altLang="en-US" sz="1400" dirty="0" err="1">
-                          <a:solidFill>
-                            <a:schemeClr val="bg1"/>
-                          </a:solidFill>
-                        </a:rPr>
-                        <a:t>마리오</a:t>
-                      </a:r>
-                      <a:r>
-                        <a:rPr lang="ko-KR" altLang="en-US" sz="1400" dirty="0">
-                          <a:solidFill>
-                            <a:schemeClr val="bg1"/>
-                          </a:solidFill>
-                        </a:rPr>
-                        <a:t> 이탈</a:t>
-                      </a:r>
-                      <a:r>
-                        <a:rPr lang="en-US" altLang="ko-KR" sz="1400" dirty="0">
-                          <a:solidFill>
-                            <a:schemeClr val="bg1"/>
-                          </a:solidFill>
-                        </a:rPr>
-                        <a:t>, </a:t>
-                      </a:r>
-                      <a:r>
-                        <a:rPr lang="ko-KR" altLang="en-US" sz="1400" dirty="0">
-                          <a:solidFill>
-                            <a:schemeClr val="bg1"/>
-                          </a:solidFill>
-                        </a:rPr>
                         <a:t>요시 게임오버 구현</a:t>
                       </a:r>
                       <a:endParaRPr lang="en-US" altLang="ko-KR" sz="1400" dirty="0">
@@ -8790,85 +9324,50 @@
                         <a:defRPr/>
                       </a:pPr>
                       <a:r>
-                        <a:rPr lang="ko-KR" altLang="en-US" sz="1400" b="0" dirty="0">
-                          <a:solidFill>
-                            <a:schemeClr val="bg1"/>
-                          </a:solidFill>
-                        </a:rPr>
-                        <a:t>상태 변환에 따른 이미지 출력 확인</a:t>
-                      </a:r>
-                      <a:r>
-                        <a:rPr lang="en-US" altLang="ko-KR" sz="1400" b="0" dirty="0">
-                          <a:solidFill>
-                            <a:schemeClr val="bg1"/>
-                          </a:solidFill>
-                        </a:rPr>
-                        <a:t>(</a:t>
-                      </a:r>
-                      <a:r>
-                        <a:rPr lang="ko-KR" altLang="en-US" sz="1400" b="0" dirty="0" err="1">
-                          <a:solidFill>
-                            <a:schemeClr val="bg1"/>
-                          </a:solidFill>
-                        </a:rPr>
-                        <a:t>마리오</a:t>
-                      </a:r>
-                      <a:r>
-                        <a:rPr lang="en-US" altLang="ko-KR" sz="1400" b="0" dirty="0">
-                          <a:solidFill>
-                            <a:schemeClr val="bg1"/>
-                          </a:solidFill>
-                        </a:rPr>
-                        <a:t>O, </a:t>
-                      </a:r>
-                      <a:r>
-                        <a:rPr lang="ko-KR" altLang="en-US" sz="1400" b="0" dirty="0" err="1">
-                          <a:solidFill>
-                            <a:schemeClr val="bg1"/>
-                          </a:solidFill>
-                        </a:rPr>
-                        <a:t>입삼킴</a:t>
-                      </a:r>
-                      <a:r>
-                        <a:rPr lang="en-US" altLang="ko-KR" sz="1400" b="0" dirty="0">
-                          <a:solidFill>
-                            <a:schemeClr val="bg1"/>
-                          </a:solidFill>
-                        </a:rPr>
-                        <a:t>, </a:t>
-                      </a:r>
-                      <a:r>
-                        <a:rPr lang="ko-KR" altLang="en-US" sz="1400" b="0" dirty="0" err="1">
-                          <a:solidFill>
-                            <a:schemeClr val="bg1"/>
-                          </a:solidFill>
-                        </a:rPr>
-                        <a:t>마리오</a:t>
-                      </a:r>
-                      <a:r>
-                        <a:rPr lang="en-US" altLang="ko-KR" sz="1400" b="0" dirty="0">
-                          <a:solidFill>
-                            <a:schemeClr val="bg1"/>
-                          </a:solidFill>
-                        </a:rPr>
-                        <a:t>X </a:t>
-                      </a:r>
-                      <a:r>
-                        <a:rPr lang="ko-KR" altLang="en-US" sz="1400" b="0" dirty="0">
-                          <a:solidFill>
-                            <a:schemeClr val="bg1"/>
-                          </a:solidFill>
-                        </a:rPr>
-                        <a:t>등</a:t>
-                      </a:r>
-                      <a:r>
-                        <a:rPr lang="en-US" altLang="ko-KR" sz="1400" b="0" dirty="0">
-                          <a:solidFill>
-                            <a:schemeClr val="bg1"/>
-                          </a:solidFill>
-                        </a:rPr>
-                        <a:t>)</a:t>
-                      </a:r>
+                        <a:rPr lang="ko-KR" altLang="en-US" sz="1400" dirty="0">
+                          <a:solidFill>
+                            <a:schemeClr val="bg1"/>
+                          </a:solidFill>
+                        </a:rPr>
+                        <a:t>요시의 </a:t>
+                      </a:r>
+                      <a:r>
+                        <a:rPr lang="ko-KR" altLang="en-US" sz="1400" dirty="0" err="1">
+                          <a:solidFill>
+                            <a:schemeClr val="bg1"/>
+                          </a:solidFill>
+                        </a:rPr>
+                        <a:t>혀공격</a:t>
+                      </a:r>
+                      <a:r>
+                        <a:rPr lang="ko-KR" altLang="en-US" sz="1400" dirty="0">
+                          <a:solidFill>
+                            <a:schemeClr val="bg1"/>
+                          </a:solidFill>
+                        </a:rPr>
+                        <a:t> </a:t>
+                      </a:r>
+                      <a:r>
+                        <a:rPr lang="ko-KR" altLang="en-US" sz="1400" dirty="0" err="1">
+                          <a:solidFill>
+                            <a:schemeClr val="bg1"/>
+                          </a:solidFill>
+                        </a:rPr>
+                        <a:t>알공격</a:t>
+                      </a:r>
+                      <a:r>
+                        <a:rPr lang="ko-KR" altLang="en-US" sz="1400" dirty="0">
+                          <a:solidFill>
+                            <a:schemeClr val="bg1"/>
+                          </a:solidFill>
+                        </a:rPr>
+                        <a:t> 구현</a:t>
+                      </a:r>
+                      <a:endParaRPr lang="en-US" altLang="ko-KR" sz="1400" dirty="0">
+                        <a:solidFill>
+                          <a:schemeClr val="bg1"/>
+                        </a:solidFill>
+                      </a:endParaRPr>
                     </a:p>
                   </a:txBody>
                   <a:tcPr anchor="ctr">
@@ -8998,6 +9497,15 @@
                     </a:p>
                   </a:txBody>
                   <a:tcPr anchor="ctr">
+                    <a:lnL w="12700" cap="flat" cmpd="sng" algn="ctr">
+                      <a:solidFill>
+                        <a:schemeClr val="tx1"/>
+                      </a:solidFill>
+                      <a:prstDash val="solid"/>
+                      <a:round/>
+                      <a:headEnd type="none" w="med" len="med"/>
+                      <a:tailEnd type="none" w="med" len="med"/>
+                    </a:lnL>
                     <a:lnR w="12700" cap="flat" cmpd="sng" algn="ctr">
                       <a:solidFill>
                         <a:schemeClr val="tx1"/>
@@ -9175,22 +9683,6 @@
                         </a:solidFill>
                       </a:endParaRPr>
                     </a:p>
-                    <a:p>
-                      <a:pPr lvl="0" algn="ctr" latinLnBrk="1"/>
-                      <a:r>
-                        <a:rPr lang="ko-KR" altLang="en-US" sz="1500" b="1" dirty="0" err="1">
-                          <a:solidFill>
-                            <a:srgbClr val="C00000"/>
-                          </a:solidFill>
-                        </a:rPr>
-                        <a:t>리팩토링</a:t>
-                      </a:r>
-                      <a:endParaRPr lang="ko-KR" altLang="en-US" sz="1500" b="1" dirty="0">
-                        <a:solidFill>
-                          <a:srgbClr val="C00000"/>
-                        </a:solidFill>
-                      </a:endParaRPr>
-                    </a:p>
                   </a:txBody>
                   <a:tcPr anchor="ctr">
                     <a:lnL w="12700" cap="flat" cmpd="sng" algn="ctr">
@@ -9300,72 +9792,6 @@
                         </a:rPr>
                         <a:t>) </a:t>
                       </a:r>
-                    </a:p>
-                    <a:p>
-                      <a:pPr marL="342900" lvl="0" indent="-342900" algn="l" latinLnBrk="1">
-                        <a:buAutoNum type="arabicPeriod"/>
-                      </a:pPr>
-                      <a:r>
-                        <a:rPr lang="en-US" altLang="ko-KR" sz="1400" b="1" dirty="0">
-                          <a:solidFill>
-                            <a:srgbClr val="C00000"/>
-                          </a:solidFill>
-                        </a:rPr>
-                        <a:t>Game World</a:t>
-                      </a:r>
-                      <a:r>
-                        <a:rPr lang="ko-KR" altLang="en-US" sz="1400" b="1" dirty="0">
-                          <a:solidFill>
-                            <a:srgbClr val="C00000"/>
-                          </a:solidFill>
-                        </a:rPr>
-                        <a:t>에 대한 </a:t>
-                      </a:r>
-                      <a:r>
-                        <a:rPr lang="ko-KR" altLang="en-US" sz="1400" b="1" dirty="0" err="1">
-                          <a:solidFill>
-                            <a:srgbClr val="C00000"/>
-                          </a:solidFill>
-                        </a:rPr>
-                        <a:t>리팩토링</a:t>
-                      </a:r>
-                      <a:r>
-                        <a:rPr lang="ko-KR" altLang="en-US" sz="1400" b="1" dirty="0">
-                          <a:solidFill>
-                            <a:srgbClr val="C00000"/>
-                          </a:solidFill>
-                        </a:rPr>
-                        <a:t> </a:t>
-                      </a:r>
-                      <a:r>
-                        <a:rPr lang="en-US" altLang="ko-KR" sz="1400" b="1" dirty="0">
-                          <a:solidFill>
-                            <a:srgbClr val="C00000"/>
-                          </a:solidFill>
-                        </a:rPr>
-                        <a:t>+ </a:t>
-                      </a:r>
-                      <a:r>
-                        <a:rPr lang="ko-KR" altLang="en-US" sz="1400" b="1" dirty="0">
-                          <a:solidFill>
-                            <a:srgbClr val="C00000"/>
-                          </a:solidFill>
-                        </a:rPr>
-                        <a:t>충돌체크 </a:t>
-                      </a:r>
-                      <a:r>
-                        <a:rPr lang="ko-KR" altLang="en-US" sz="1400" b="1" dirty="0" err="1">
-                          <a:solidFill>
-                            <a:srgbClr val="C00000"/>
-                          </a:solidFill>
-                        </a:rPr>
-                        <a:t>리팩토링</a:t>
-                      </a:r>
-                      <a:endParaRPr lang="en-US" altLang="ko-KR" sz="1400" b="1" dirty="0">
-                        <a:solidFill>
-                          <a:srgbClr val="C00000"/>
-                        </a:solidFill>
-                      </a:endParaRPr>
                     </a:p>
                     <a:p>
                       <a:pPr marL="342900" marR="0" lvl="0" indent="-342900" algn="l" defTabSz="914400" rtl="0" eaLnBrk="1" fontAlgn="auto" latinLnBrk="1" hangingPunct="1">
